--- a/docs/diagrams/AppointmentClassDemo.pptx
+++ b/docs/diagrams/AppointmentClassDemo.pptx
@@ -3502,31 +3502,7 @@
           <a:bodyPr rtlCol="0" anchor="ctr"/>
           <a:lstStyle/>
           <a:p>
-            <a:pPr algn="ctr"/>
-            <a:r>
-              <a:rPr lang="en-US" sz="1050" dirty="0" smtClean="0">
-                <a:solidFill>
-                  <a:srgbClr val="7030A0"/>
-                </a:solidFill>
-              </a:rPr>
-              <a:t>Appointment</a:t>
-            </a:r>
-            <a:endParaRPr lang="en-US" sz="1050" dirty="0" smtClean="0">
-              <a:solidFill>
-                <a:srgbClr val="7030A0"/>
-              </a:solidFill>
-            </a:endParaRPr>
-          </a:p>
-          <a:p>
-            <a:pPr algn="ctr"/>
-            <a:r>
-              <a:rPr lang="en-US" sz="1050" dirty="0">
-                <a:solidFill>
-                  <a:srgbClr val="7030A0"/>
-                </a:solidFill>
-              </a:rPr>
-              <a:t>(new)</a:t>
-            </a:r>
+            <a:pPr algn="l"/>
             <a:endParaRPr lang="en-US" sz="1050" dirty="0">
               <a:solidFill>
                 <a:srgbClr val="7030A0"/>
@@ -3537,14 +3513,169 @@
       </p:sp>
       <p:sp>
         <p:nvSpPr>
-          <p:cNvPr id="76" name="Rectangle 8"/>
+          <p:cNvPr id="54" name="TextBox 53"/>
+          <p:cNvSpPr txBox="1"/>
+          <p:nvPr/>
+        </p:nvSpPr>
+        <p:spPr>
+          <a:xfrm>
+            <a:off x="4105262" y="2364809"/>
+            <a:ext cx="189257" cy="178683"/>
+          </a:xfrm>
+          <a:prstGeom prst="rect">
+            <a:avLst/>
+          </a:prstGeom>
+          <a:noFill/>
+        </p:spPr>
+        <p:txBody>
+          <a:bodyPr wrap="square" lIns="0" tIns="0" rIns="0" bIns="0" rtlCol="0">
+            <a:noAutofit/>
+          </a:bodyPr>
+          <a:lstStyle/>
+          <a:p>
+            <a:pPr algn="ctr"/>
+            <a:endParaRPr lang="en-SG" sz="1100" dirty="0">
+              <a:solidFill>
+                <a:srgbClr val="7030A0"/>
+              </a:solidFill>
+            </a:endParaRPr>
+          </a:p>
+        </p:txBody>
+      </p:sp>
+      <p:sp>
+        <p:nvSpPr>
+          <p:cNvPr id="70" name="TextBox 69"/>
+          <p:cNvSpPr txBox="1"/>
+          <p:nvPr/>
+        </p:nvSpPr>
+        <p:spPr>
+          <a:xfrm>
+            <a:off x="6448060" y="2516139"/>
+            <a:ext cx="189257" cy="178683"/>
+          </a:xfrm>
+          <a:prstGeom prst="rect">
+            <a:avLst/>
+          </a:prstGeom>
+          <a:noFill/>
+        </p:spPr>
+        <p:txBody>
+          <a:bodyPr wrap="square" lIns="0" tIns="0" rIns="0" bIns="0" rtlCol="0">
+            <a:noAutofit/>
+          </a:bodyPr>
+          <a:lstStyle/>
+          <a:p>
+            <a:pPr algn="ctr"/>
+            <a:endParaRPr lang="en-SG" sz="1100" dirty="0">
+              <a:solidFill>
+                <a:srgbClr val="7030A0"/>
+              </a:solidFill>
+            </a:endParaRPr>
+          </a:p>
+        </p:txBody>
+      </p:sp>
+      <p:sp>
+        <p:nvSpPr>
+          <p:cNvPr id="3" name="文本框 2"/>
+          <p:cNvSpPr txBox="1"/>
+          <p:nvPr/>
+        </p:nvSpPr>
+        <p:spPr>
+          <a:xfrm>
+            <a:off x="1219835" y="1883410"/>
+            <a:ext cx="1599565" cy="368300"/>
+          </a:xfrm>
+          <a:prstGeom prst="rect">
+            <a:avLst/>
+          </a:prstGeom>
+          <a:noFill/>
+        </p:spPr>
+        <p:txBody>
+          <a:bodyPr wrap="square" rtlCol="0">
+            <a:spAutoFit/>
+          </a:bodyPr>
+          <a:p>
+            <a:r>
+              <a:rPr lang="en-US" altLang="zh-CN" b="1"/>
+              <a:t>Date</a:t>
+            </a:r>
+            <a:endParaRPr lang="en-US" altLang="zh-CN" b="1"/>
+          </a:p>
+        </p:txBody>
+      </p:sp>
+      <p:cxnSp>
+        <p:nvCxnSpPr>
+          <p:cNvPr id="6" name="肘形连接符 5"/>
+          <p:cNvCxnSpPr/>
+          <p:nvPr/>
+        </p:nvCxnSpPr>
+        <p:spPr>
+          <a:xfrm>
+            <a:off x="1143000" y="2286000"/>
+            <a:ext cx="1828800" cy="3175"/>
+          </a:xfrm>
+          <a:prstGeom prst="bentConnector2">
+            <a:avLst/>
+          </a:prstGeom>
+          <a:ln>
+            <a:solidFill>
+              <a:schemeClr val="accent4"/>
+            </a:solidFill>
+          </a:ln>
+        </p:spPr>
+        <p:style>
+          <a:lnRef idx="1">
+            <a:schemeClr val="accent1"/>
+          </a:lnRef>
+          <a:fillRef idx="0">
+            <a:schemeClr val="accent1"/>
+          </a:fillRef>
+          <a:effectRef idx="0">
+            <a:schemeClr val="accent1"/>
+          </a:effectRef>
+          <a:fontRef idx="minor">
+            <a:schemeClr val="tx1"/>
+          </a:fontRef>
+        </p:style>
+      </p:cxnSp>
+      <p:sp>
+        <p:nvSpPr>
+          <p:cNvPr id="7" name="文本框 6"/>
+          <p:cNvSpPr txBox="1"/>
+          <p:nvPr/>
+        </p:nvSpPr>
+        <p:spPr>
+          <a:xfrm>
+            <a:off x="1228090" y="2371090"/>
+            <a:ext cx="1667510" cy="337185"/>
+          </a:xfrm>
+          <a:prstGeom prst="rect">
+            <a:avLst/>
+          </a:prstGeom>
+          <a:noFill/>
+        </p:spPr>
+        <p:txBody>
+          <a:bodyPr wrap="square" rtlCol="0">
+            <a:spAutoFit/>
+          </a:bodyPr>
+          <a:p>
+            <a:r>
+              <a:rPr lang="en-US" altLang="zh-CN" sz="1600"/>
+              <a:t>date: String</a:t>
+            </a:r>
+            <a:endParaRPr lang="en-US" altLang="zh-CN" sz="1600"/>
+          </a:p>
+        </p:txBody>
+      </p:sp>
+      <p:sp>
+        <p:nvSpPr>
+          <p:cNvPr id="8" name="Rectangle 8"/>
           <p:cNvSpPr/>
           <p:nvPr/>
         </p:nvSpPr>
         <p:spPr>
           <a:xfrm>
-            <a:off x="5146675" y="1210310"/>
-            <a:ext cx="1725295" cy="944880"/>
+            <a:off x="4997450" y="1812290"/>
+            <a:ext cx="1841500" cy="1908175"/>
           </a:xfrm>
           <a:prstGeom prst="rect">
             <a:avLst/>
@@ -3572,33 +3703,8 @@
         </p:style>
         <p:txBody>
           <a:bodyPr rtlCol="0" anchor="ctr"/>
-          <a:lstStyle/>
-          <a:p>
-            <a:pPr algn="ctr"/>
-            <a:r>
-              <a:rPr lang="en-US" sz="1050" dirty="0" smtClean="0">
-                <a:solidFill>
-                  <a:srgbClr val="7030A0"/>
-                </a:solidFill>
-              </a:rPr>
-              <a:t>Date</a:t>
-            </a:r>
-            <a:endParaRPr lang="en-US" sz="1050" dirty="0" smtClean="0">
-              <a:solidFill>
-                <a:srgbClr val="7030A0"/>
-              </a:solidFill>
-            </a:endParaRPr>
-          </a:p>
-          <a:p>
-            <a:pPr algn="ctr"/>
-            <a:r>
-              <a:rPr lang="en-US" sz="1050" dirty="0">
-                <a:solidFill>
-                  <a:srgbClr val="7030A0"/>
-                </a:solidFill>
-              </a:rPr>
-              <a:t>(2018-04-01)</a:t>
-            </a:r>
+          <a:p>
+            <a:pPr algn="l"/>
             <a:endParaRPr lang="en-US" sz="1050" dirty="0">
               <a:solidFill>
                 <a:srgbClr val="7030A0"/>
@@ -3607,336 +3713,51 @@
           </a:p>
         </p:txBody>
       </p:sp>
-      <p:sp>
-        <p:nvSpPr>
-          <p:cNvPr id="78" name="Flowchart: Decision 96"/>
-          <p:cNvSpPr/>
-          <p:nvPr/>
-        </p:nvSpPr>
-        <p:spPr>
-          <a:xfrm>
-            <a:off x="2978582" y="2801516"/>
-            <a:ext cx="236048" cy="173380"/>
-          </a:xfrm>
-          <a:prstGeom prst="flowChartDecision">
-            <a:avLst/>
-          </a:prstGeom>
-          <a:solidFill>
-            <a:srgbClr val="7030A0"/>
-          </a:solidFill>
-          <a:ln w="19050">
-            <a:solidFill>
-              <a:srgbClr val="7030A0"/>
-            </a:solidFill>
-          </a:ln>
-          <a:effectLst/>
-        </p:spPr>
-        <p:style>
-          <a:lnRef idx="1">
-            <a:schemeClr val="accent6"/>
-          </a:lnRef>
-          <a:fillRef idx="2">
-            <a:schemeClr val="accent6"/>
-          </a:fillRef>
-          <a:effectRef idx="1">
-            <a:schemeClr val="accent6"/>
-          </a:effectRef>
-          <a:fontRef idx="minor">
-            <a:schemeClr val="dk1"/>
-          </a:fontRef>
-        </p:style>
-        <p:txBody>
-          <a:bodyPr rtlCol="0" anchor="ctr"/>
-          <a:lstStyle/>
-          <a:p>
-            <a:pPr algn="ctr"/>
-            <a:endParaRPr lang="en-US" sz="1050"/>
-          </a:p>
-        </p:txBody>
-      </p:sp>
       <p:cxnSp>
         <p:nvCxnSpPr>
-          <p:cNvPr id="79" name="Elbow Connector 78"/>
-          <p:cNvCxnSpPr>
-            <a:stCxn id="78" idx="3"/>
-            <a:endCxn id="76" idx="1"/>
-          </p:cNvCxnSpPr>
-          <p:nvPr/>
-        </p:nvCxnSpPr>
-        <p:spPr>
-          <a:xfrm flipV="1">
-            <a:off x="3215005" y="1682750"/>
-            <a:ext cx="1931670" cy="1205865"/>
-          </a:xfrm>
-          <a:prstGeom prst="bentConnector3">
-            <a:avLst>
-              <a:gd name="adj1" fmla="val 50000"/>
-            </a:avLst>
-          </a:prstGeom>
-          <a:ln w="19050">
-            <a:solidFill>
-              <a:srgbClr val="7030A0"/>
-            </a:solidFill>
-            <a:headEnd type="none" w="med" len="med"/>
-            <a:tailEnd type="arrow" w="med" len="med"/>
-          </a:ln>
-          <a:effectLst/>
-        </p:spPr>
-        <p:style>
-          <a:lnRef idx="1">
-            <a:schemeClr val="accent2"/>
-          </a:lnRef>
-          <a:fillRef idx="2">
-            <a:schemeClr val="accent2"/>
-          </a:fillRef>
-          <a:effectRef idx="1">
-            <a:schemeClr val="accent2"/>
-          </a:effectRef>
-          <a:fontRef idx="minor">
-            <a:schemeClr val="dk1"/>
-          </a:fontRef>
-        </p:style>
-      </p:cxnSp>
-      <p:sp>
-        <p:nvSpPr>
-          <p:cNvPr id="83" name="Rectangle 8"/>
-          <p:cNvSpPr/>
-          <p:nvPr/>
-        </p:nvSpPr>
-        <p:spPr>
-          <a:xfrm>
-            <a:off x="5146675" y="2441575"/>
-            <a:ext cx="1724660" cy="885190"/>
-          </a:xfrm>
-          <a:prstGeom prst="rect">
-            <a:avLst/>
-          </a:prstGeom>
-          <a:ln w="19050">
-            <a:solidFill>
-              <a:srgbClr val="7030A0"/>
-            </a:solidFill>
-          </a:ln>
-          <a:effectLst/>
-        </p:spPr>
-        <p:style>
-          <a:lnRef idx="1">
-            <a:schemeClr val="accent4"/>
-          </a:lnRef>
-          <a:fillRef idx="2">
-            <a:schemeClr val="accent4"/>
-          </a:fillRef>
-          <a:effectRef idx="1">
-            <a:schemeClr val="accent4"/>
-          </a:effectRef>
-          <a:fontRef idx="minor">
-            <a:schemeClr val="dk1"/>
-          </a:fontRef>
-        </p:style>
-        <p:txBody>
-          <a:bodyPr rtlCol="0" anchor="ctr"/>
-          <a:lstStyle/>
-          <a:p>
-            <a:pPr algn="ctr"/>
-            <a:r>
-              <a:rPr lang="en-US" sz="1050" dirty="0" smtClean="0">
-                <a:solidFill>
-                  <a:srgbClr val="7030A0"/>
-                </a:solidFill>
-              </a:rPr>
-              <a:t>Time</a:t>
-            </a:r>
-            <a:endParaRPr lang="en-US" sz="1050" dirty="0" smtClean="0">
-              <a:solidFill>
-                <a:srgbClr val="7030A0"/>
-              </a:solidFill>
-            </a:endParaRPr>
-          </a:p>
-          <a:p>
-            <a:pPr algn="ctr"/>
-            <a:r>
-              <a:rPr lang="en-US" sz="1050" dirty="0">
-                <a:solidFill>
-                  <a:srgbClr val="7030A0"/>
-                </a:solidFill>
-              </a:rPr>
-              <a:t>(11:00)</a:t>
-            </a:r>
-            <a:endParaRPr lang="en-US" sz="1050" dirty="0">
-              <a:solidFill>
-                <a:srgbClr val="7030A0"/>
-              </a:solidFill>
-            </a:endParaRPr>
-          </a:p>
-        </p:txBody>
-      </p:sp>
-      <p:cxnSp>
-        <p:nvCxnSpPr>
-          <p:cNvPr id="84" name="Elbow Connector 83"/>
-          <p:cNvCxnSpPr>
-            <a:stCxn id="78" idx="3"/>
-            <a:endCxn id="83" idx="1"/>
-          </p:cNvCxnSpPr>
-          <p:nvPr/>
-        </p:nvCxnSpPr>
-        <p:spPr>
-          <a:xfrm flipV="1">
-            <a:off x="3215005" y="2884170"/>
-            <a:ext cx="1931670" cy="4445"/>
-          </a:xfrm>
-          <a:prstGeom prst="bentConnector3">
-            <a:avLst>
-              <a:gd name="adj1" fmla="val 50000"/>
-            </a:avLst>
-          </a:prstGeom>
-          <a:ln w="19050">
-            <a:solidFill>
-              <a:srgbClr val="7030A0"/>
-            </a:solidFill>
-            <a:headEnd type="none" w="med" len="med"/>
-            <a:tailEnd type="arrow" w="med" len="med"/>
-          </a:ln>
-          <a:effectLst/>
-        </p:spPr>
-        <p:style>
-          <a:lnRef idx="1">
-            <a:schemeClr val="accent2"/>
-          </a:lnRef>
-          <a:fillRef idx="2">
-            <a:schemeClr val="accent2"/>
-          </a:fillRef>
-          <a:effectRef idx="1">
-            <a:schemeClr val="accent2"/>
-          </a:effectRef>
-          <a:fontRef idx="minor">
-            <a:schemeClr val="dk1"/>
-          </a:fontRef>
-        </p:style>
-      </p:cxnSp>
-      <p:sp>
-        <p:nvSpPr>
-          <p:cNvPr id="85" name="Rectangle 8"/>
-          <p:cNvSpPr/>
-          <p:nvPr/>
-        </p:nvSpPr>
-        <p:spPr>
-          <a:xfrm>
-            <a:off x="5146675" y="3720465"/>
-            <a:ext cx="1725295" cy="961390"/>
-          </a:xfrm>
-          <a:prstGeom prst="rect">
-            <a:avLst/>
-          </a:prstGeom>
-          <a:ln w="19050">
-            <a:solidFill>
-              <a:srgbClr val="7030A0"/>
-            </a:solidFill>
-          </a:ln>
-          <a:effectLst/>
-        </p:spPr>
-        <p:style>
-          <a:lnRef idx="1">
-            <a:schemeClr val="accent4"/>
-          </a:lnRef>
-          <a:fillRef idx="2">
-            <a:schemeClr val="accent4"/>
-          </a:fillRef>
-          <a:effectRef idx="1">
-            <a:schemeClr val="accent4"/>
-          </a:effectRef>
-          <a:fontRef idx="minor">
-            <a:schemeClr val="dk1"/>
-          </a:fontRef>
-        </p:style>
-        <p:txBody>
-          <a:bodyPr rtlCol="0" anchor="ctr"/>
-          <a:lstStyle/>
-          <a:p>
-            <a:pPr algn="ctr"/>
-            <a:r>
-              <a:rPr lang="en-US" sz="1050" dirty="0" smtClean="0">
-                <a:solidFill>
-                  <a:srgbClr val="7030A0"/>
-                </a:solidFill>
-              </a:rPr>
-              <a:t>Duration</a:t>
-            </a:r>
-            <a:endParaRPr lang="en-US" sz="1050" dirty="0" smtClean="0">
-              <a:solidFill>
-                <a:srgbClr val="7030A0"/>
-              </a:solidFill>
-            </a:endParaRPr>
-          </a:p>
-          <a:p>
-            <a:pPr algn="ctr"/>
-            <a:r>
-              <a:rPr lang="en-US" sz="1050" dirty="0">
-                <a:solidFill>
-                  <a:srgbClr val="7030A0"/>
-                </a:solidFill>
-              </a:rPr>
-              <a:t>(60)</a:t>
-            </a:r>
-            <a:endParaRPr lang="en-US" sz="1050" dirty="0">
-              <a:solidFill>
-                <a:srgbClr val="7030A0"/>
-              </a:solidFill>
-            </a:endParaRPr>
-          </a:p>
-        </p:txBody>
-      </p:sp>
-      <p:cxnSp>
-        <p:nvCxnSpPr>
-          <p:cNvPr id="86" name="Elbow Connector 85"/>
-          <p:cNvCxnSpPr>
-            <a:stCxn id="78" idx="3"/>
-            <a:endCxn id="85" idx="1"/>
-          </p:cNvCxnSpPr>
+          <p:cNvPr id="9" name="肘形连接符 8"/>
+          <p:cNvCxnSpPr/>
           <p:nvPr/>
         </p:nvCxnSpPr>
         <p:spPr>
           <a:xfrm>
-            <a:off x="3215005" y="2888615"/>
-            <a:ext cx="1931670" cy="1312545"/>
+            <a:off x="5010150" y="2251710"/>
+            <a:ext cx="1828800" cy="3175"/>
           </a:xfrm>
-          <a:prstGeom prst="bentConnector3">
-            <a:avLst>
-              <a:gd name="adj1" fmla="val 50000"/>
-            </a:avLst>
+          <a:prstGeom prst="bentConnector2">
+            <a:avLst/>
           </a:prstGeom>
-          <a:ln w="19050">
+          <a:ln>
             <a:solidFill>
-              <a:srgbClr val="7030A0"/>
+              <a:schemeClr val="accent4"/>
             </a:solidFill>
-            <a:headEnd type="none" w="med" len="med"/>
-            <a:tailEnd type="arrow" w="med" len="med"/>
           </a:ln>
-          <a:effectLst/>
         </p:spPr>
         <p:style>
           <a:lnRef idx="1">
-            <a:schemeClr val="accent2"/>
+            <a:schemeClr val="accent1"/>
           </a:lnRef>
-          <a:fillRef idx="2">
-            <a:schemeClr val="accent2"/>
+          <a:fillRef idx="0">
+            <a:schemeClr val="accent1"/>
           </a:fillRef>
-          <a:effectRef idx="1">
-            <a:schemeClr val="accent2"/>
+          <a:effectRef idx="0">
+            <a:schemeClr val="accent1"/>
           </a:effectRef>
           <a:fontRef idx="minor">
-            <a:schemeClr val="dk1"/>
+            <a:schemeClr val="tx1"/>
           </a:fontRef>
         </p:style>
       </p:cxnSp>
       <p:sp>
         <p:nvSpPr>
-          <p:cNvPr id="54" name="TextBox 53"/>
+          <p:cNvPr id="10" name="文本框 9"/>
           <p:cNvSpPr txBox="1"/>
           <p:nvPr/>
         </p:nvSpPr>
         <p:spPr>
           <a:xfrm>
-            <a:off x="4105262" y="2364809"/>
-            <a:ext cx="189257" cy="178683"/>
+            <a:off x="5037455" y="1883410"/>
+            <a:ext cx="1599565" cy="368300"/>
           </a:xfrm>
           <a:prstGeom prst="rect">
             <a:avLst/>
@@ -3944,30 +3765,28 @@
           <a:noFill/>
         </p:spPr>
         <p:txBody>
-          <a:bodyPr wrap="square" lIns="0" tIns="0" rIns="0" bIns="0" rtlCol="0">
-            <a:noAutofit/>
+          <a:bodyPr wrap="square" rtlCol="0">
+            <a:spAutoFit/>
           </a:bodyPr>
-          <a:lstStyle/>
-          <a:p>
-            <a:pPr algn="ctr"/>
-            <a:endParaRPr lang="en-SG" sz="1100" dirty="0">
-              <a:solidFill>
-                <a:srgbClr val="7030A0"/>
-              </a:solidFill>
-            </a:endParaRPr>
-          </a:p>
-        </p:txBody>
-      </p:sp>
-      <p:sp>
-        <p:nvSpPr>
-          <p:cNvPr id="70" name="TextBox 69"/>
+          <a:p>
+            <a:r>
+              <a:rPr lang="en-US" altLang="zh-CN" b="1"/>
+              <a:t>Time</a:t>
+            </a:r>
+            <a:endParaRPr lang="en-US" altLang="zh-CN" b="1"/>
+          </a:p>
+        </p:txBody>
+      </p:sp>
+      <p:sp>
+        <p:nvSpPr>
+          <p:cNvPr id="11" name="文本框 10"/>
           <p:cNvSpPr txBox="1"/>
           <p:nvPr/>
         </p:nvSpPr>
         <p:spPr>
           <a:xfrm>
-            <a:off x="6448060" y="2516139"/>
-            <a:ext cx="189257" cy="178683"/>
+            <a:off x="5037455" y="2371090"/>
+            <a:ext cx="1667510" cy="337185"/>
           </a:xfrm>
           <a:prstGeom prst="rect">
             <a:avLst/>
@@ -3975,17 +3794,86 @@
           <a:noFill/>
         </p:spPr>
         <p:txBody>
-          <a:bodyPr wrap="square" lIns="0" tIns="0" rIns="0" bIns="0" rtlCol="0">
-            <a:noAutofit/>
+          <a:bodyPr wrap="square" rtlCol="0">
+            <a:spAutoFit/>
           </a:bodyPr>
-          <a:lstStyle/>
-          <a:p>
-            <a:pPr algn="ctr"/>
-            <a:endParaRPr lang="en-SG" sz="1100" dirty="0">
-              <a:solidFill>
-                <a:srgbClr val="7030A0"/>
-              </a:solidFill>
-            </a:endParaRPr>
+          <a:p>
+            <a:r>
+              <a:rPr lang="en-US" altLang="zh-CN" sz="1600"/>
+              <a:t>time: String</a:t>
+            </a:r>
+            <a:endParaRPr lang="en-US" altLang="zh-CN" sz="1600"/>
+          </a:p>
+        </p:txBody>
+      </p:sp>
+      <p:cxnSp>
+        <p:nvCxnSpPr>
+          <p:cNvPr id="12" name="肘形连接符 11"/>
+          <p:cNvCxnSpPr/>
+          <p:nvPr/>
+        </p:nvCxnSpPr>
+        <p:spPr>
+          <a:xfrm>
+            <a:off x="4997450" y="2789555"/>
+            <a:ext cx="1828800" cy="3175"/>
+          </a:xfrm>
+          <a:prstGeom prst="bentConnector2">
+            <a:avLst/>
+          </a:prstGeom>
+          <a:ln>
+            <a:solidFill>
+              <a:schemeClr val="accent4"/>
+            </a:solidFill>
+          </a:ln>
+        </p:spPr>
+        <p:style>
+          <a:lnRef idx="1">
+            <a:schemeClr val="accent1"/>
+          </a:lnRef>
+          <a:fillRef idx="0">
+            <a:schemeClr val="accent1"/>
+          </a:fillRef>
+          <a:effectRef idx="0">
+            <a:schemeClr val="accent1"/>
+          </a:effectRef>
+          <a:fontRef idx="minor">
+            <a:schemeClr val="tx1"/>
+          </a:fontRef>
+        </p:style>
+      </p:cxnSp>
+      <p:sp>
+        <p:nvSpPr>
+          <p:cNvPr id="13" name="文本框 12"/>
+          <p:cNvSpPr txBox="1"/>
+          <p:nvPr/>
+        </p:nvSpPr>
+        <p:spPr>
+          <a:xfrm>
+            <a:off x="5037455" y="2879090"/>
+            <a:ext cx="1667510" cy="583565"/>
+          </a:xfrm>
+          <a:prstGeom prst="rect">
+            <a:avLst/>
+          </a:prstGeom>
+          <a:noFill/>
+        </p:spPr>
+        <p:txBody>
+          <a:bodyPr wrap="square" rtlCol="0">
+            <a:spAutoFit/>
+          </a:bodyPr>
+          <a:p>
+            <a:r>
+              <a:rPr lang="en-US" altLang="zh-CN" sz="1600"/>
+              <a:t>getMinute(): int</a:t>
+            </a:r>
+            <a:endParaRPr lang="en-US" altLang="zh-CN" sz="1600"/>
+          </a:p>
+          <a:p>
+            <a:r>
+              <a:rPr lang="en-US" altLang="zh-CN" sz="1600"/>
+              <a:t>getHour(): int</a:t>
+            </a:r>
+            <a:endParaRPr lang="en-US" altLang="zh-CN" sz="1600"/>
           </a:p>
         </p:txBody>
       </p:sp>
